--- a/Documentação/ProtoPersona.pptx
+++ b/Documentação/ProtoPersona.pptx
@@ -259,7 +259,7 @@
           <a:p>
             <a:fld id="{75EA822D-EC7F-445D-B4B2-1D8BFE09073C}" type="datetimeFigureOut">
               <a:rPr lang="pt-BR" smtClean="0"/>
-              <a:t>03/09/2020</a:t>
+              <a:t>04/09/2020</a:t>
             </a:fld>
             <a:endParaRPr lang="pt-BR"/>
           </a:p>
@@ -457,7 +457,7 @@
           <a:p>
             <a:fld id="{75EA822D-EC7F-445D-B4B2-1D8BFE09073C}" type="datetimeFigureOut">
               <a:rPr lang="pt-BR" smtClean="0"/>
-              <a:t>03/09/2020</a:t>
+              <a:t>04/09/2020</a:t>
             </a:fld>
             <a:endParaRPr lang="pt-BR"/>
           </a:p>
@@ -665,7 +665,7 @@
           <a:p>
             <a:fld id="{75EA822D-EC7F-445D-B4B2-1D8BFE09073C}" type="datetimeFigureOut">
               <a:rPr lang="pt-BR" smtClean="0"/>
-              <a:t>03/09/2020</a:t>
+              <a:t>04/09/2020</a:t>
             </a:fld>
             <a:endParaRPr lang="pt-BR"/>
           </a:p>
@@ -863,7 +863,7 @@
           <a:p>
             <a:fld id="{75EA822D-EC7F-445D-B4B2-1D8BFE09073C}" type="datetimeFigureOut">
               <a:rPr lang="pt-BR" smtClean="0"/>
-              <a:t>03/09/2020</a:t>
+              <a:t>04/09/2020</a:t>
             </a:fld>
             <a:endParaRPr lang="pt-BR"/>
           </a:p>
@@ -1138,7 +1138,7 @@
           <a:p>
             <a:fld id="{75EA822D-EC7F-445D-B4B2-1D8BFE09073C}" type="datetimeFigureOut">
               <a:rPr lang="pt-BR" smtClean="0"/>
-              <a:t>03/09/2020</a:t>
+              <a:t>04/09/2020</a:t>
             </a:fld>
             <a:endParaRPr lang="pt-BR"/>
           </a:p>
@@ -1403,7 +1403,7 @@
           <a:p>
             <a:fld id="{75EA822D-EC7F-445D-B4B2-1D8BFE09073C}" type="datetimeFigureOut">
               <a:rPr lang="pt-BR" smtClean="0"/>
-              <a:t>03/09/2020</a:t>
+              <a:t>04/09/2020</a:t>
             </a:fld>
             <a:endParaRPr lang="pt-BR"/>
           </a:p>
@@ -1815,7 +1815,7 @@
           <a:p>
             <a:fld id="{75EA822D-EC7F-445D-B4B2-1D8BFE09073C}" type="datetimeFigureOut">
               <a:rPr lang="pt-BR" smtClean="0"/>
-              <a:t>03/09/2020</a:t>
+              <a:t>04/09/2020</a:t>
             </a:fld>
             <a:endParaRPr lang="pt-BR"/>
           </a:p>
@@ -1956,7 +1956,7 @@
           <a:p>
             <a:fld id="{75EA822D-EC7F-445D-B4B2-1D8BFE09073C}" type="datetimeFigureOut">
               <a:rPr lang="pt-BR" smtClean="0"/>
-              <a:t>03/09/2020</a:t>
+              <a:t>04/09/2020</a:t>
             </a:fld>
             <a:endParaRPr lang="pt-BR"/>
           </a:p>
@@ -2069,7 +2069,7 @@
           <a:p>
             <a:fld id="{75EA822D-EC7F-445D-B4B2-1D8BFE09073C}" type="datetimeFigureOut">
               <a:rPr lang="pt-BR" smtClean="0"/>
-              <a:t>03/09/2020</a:t>
+              <a:t>04/09/2020</a:t>
             </a:fld>
             <a:endParaRPr lang="pt-BR"/>
           </a:p>
@@ -2380,7 +2380,7 @@
           <a:p>
             <a:fld id="{75EA822D-EC7F-445D-B4B2-1D8BFE09073C}" type="datetimeFigureOut">
               <a:rPr lang="pt-BR" smtClean="0"/>
-              <a:t>03/09/2020</a:t>
+              <a:t>04/09/2020</a:t>
             </a:fld>
             <a:endParaRPr lang="pt-BR"/>
           </a:p>
@@ -2668,7 +2668,7 @@
           <a:p>
             <a:fld id="{75EA822D-EC7F-445D-B4B2-1D8BFE09073C}" type="datetimeFigureOut">
               <a:rPr lang="pt-BR" smtClean="0"/>
-              <a:t>03/09/2020</a:t>
+              <a:t>04/09/2020</a:t>
             </a:fld>
             <a:endParaRPr lang="pt-BR"/>
           </a:p>
@@ -2909,7 +2909,7 @@
           <a:p>
             <a:fld id="{75EA822D-EC7F-445D-B4B2-1D8BFE09073C}" type="datetimeFigureOut">
               <a:rPr lang="pt-BR" smtClean="0"/>
-              <a:t>03/09/2020</a:t>
+              <a:t>04/09/2020</a:t>
             </a:fld>
             <a:endParaRPr lang="pt-BR"/>
           </a:p>
@@ -3780,7 +3780,7 @@
                 <a:latin typeface="Arial" panose="020B0604020202020204" pitchFamily="34" charset="0"/>
                 <a:cs typeface="Arial" panose="020B0604020202020204" pitchFamily="34" charset="0"/>
               </a:rPr>
-              <a:t>Gênero masculino;</a:t>
+              <a:t>Formado na área de TI;</a:t>
             </a:r>
           </a:p>
           <a:p>
@@ -3796,7 +3796,7 @@
                 <a:latin typeface="Arial" panose="020B0604020202020204" pitchFamily="34" charset="0"/>
                 <a:cs typeface="Arial" panose="020B0604020202020204" pitchFamily="34" charset="0"/>
               </a:rPr>
-              <a:t>Média de 30 anos;</a:t>
+              <a:t>Trabalha como suporte técnico;</a:t>
             </a:r>
           </a:p>
           <a:p>
@@ -3812,7 +3812,21 @@
                 <a:latin typeface="Arial" panose="020B0604020202020204" pitchFamily="34" charset="0"/>
                 <a:cs typeface="Arial" panose="020B0604020202020204" pitchFamily="34" charset="0"/>
               </a:rPr>
-              <a:t>Formado na área de TI;</a:t>
+              <a:t>Trabalha no segmento de </a:t>
+            </a:r>
+            <a:r>
+              <a:rPr lang="pt-BR" sz="1600" dirty="0" err="1">
+                <a:latin typeface="Arial" panose="020B0604020202020204" pitchFamily="34" charset="0"/>
+                <a:cs typeface="Arial" panose="020B0604020202020204" pitchFamily="34" charset="0"/>
+              </a:rPr>
+              <a:t>call</a:t>
+            </a:r>
+            <a:r>
+              <a:rPr lang="pt-BR" sz="1600" dirty="0">
+                <a:latin typeface="Arial" panose="020B0604020202020204" pitchFamily="34" charset="0"/>
+                <a:cs typeface="Arial" panose="020B0604020202020204" pitchFamily="34" charset="0"/>
+              </a:rPr>
+              <a:t> center;</a:t>
             </a:r>
           </a:p>
           <a:p>
@@ -3828,7 +3842,7 @@
                 <a:latin typeface="Arial" panose="020B0604020202020204" pitchFamily="34" charset="0"/>
                 <a:cs typeface="Arial" panose="020B0604020202020204" pitchFamily="34" charset="0"/>
               </a:rPr>
-              <a:t>Trabalha como suporte técnico;</a:t>
+              <a:t>Possui uma boa habilidade analítica;</a:t>
             </a:r>
           </a:p>
           <a:p>
@@ -3839,27 +3853,10 @@
               <a:buFont typeface="Wingdings" panose="05000000000000000000" pitchFamily="2" charset="2"/>
               <a:buChar char="§"/>
             </a:pPr>
-            <a:r>
-              <a:rPr lang="pt-BR" sz="1600" dirty="0">
-                <a:latin typeface="Arial" panose="020B0604020202020204" pitchFamily="34" charset="0"/>
-                <a:cs typeface="Arial" panose="020B0604020202020204" pitchFamily="34" charset="0"/>
-              </a:rPr>
-              <a:t>Trabalha no segmento de </a:t>
-            </a:r>
-            <a:r>
-              <a:rPr lang="pt-BR" sz="1600" dirty="0" err="1">
-                <a:latin typeface="Arial" panose="020B0604020202020204" pitchFamily="34" charset="0"/>
-                <a:cs typeface="Arial" panose="020B0604020202020204" pitchFamily="34" charset="0"/>
-              </a:rPr>
-              <a:t>call</a:t>
-            </a:r>
-            <a:r>
-              <a:rPr lang="pt-BR" sz="1600" dirty="0">
-                <a:latin typeface="Arial" panose="020B0604020202020204" pitchFamily="34" charset="0"/>
-                <a:cs typeface="Arial" panose="020B0604020202020204" pitchFamily="34" charset="0"/>
-              </a:rPr>
-              <a:t> center;</a:t>
-            </a:r>
+            <a:endParaRPr lang="pt-BR" sz="1600" dirty="0">
+              <a:latin typeface="Arial" panose="020B0604020202020204" pitchFamily="34" charset="0"/>
+              <a:cs typeface="Arial" panose="020B0604020202020204" pitchFamily="34" charset="0"/>
+            </a:endParaRPr>
           </a:p>
         </p:txBody>
       </p:sp>
@@ -3878,7 +3875,7 @@
         <p:spPr>
           <a:xfrm>
             <a:off x="1056443" y="4346019"/>
-            <a:ext cx="6400800" cy="1524007"/>
+            <a:ext cx="10373558" cy="2262671"/>
           </a:xfrm>
           <a:prstGeom prst="rect">
             <a:avLst/>
@@ -3952,6 +3949,38 @@
                 <a:cs typeface="Arial" panose="020B0604020202020204" pitchFamily="34" charset="0"/>
               </a:rPr>
               <a:t>Realizar o reparo das máquinas;</a:t>
+            </a:r>
+          </a:p>
+          <a:p>
+            <a:pPr marL="285750" indent="-285750">
+              <a:lnSpc>
+                <a:spcPct val="150000"/>
+              </a:lnSpc>
+              <a:buFont typeface="Wingdings" panose="05000000000000000000" pitchFamily="2" charset="2"/>
+              <a:buChar char="§"/>
+            </a:pPr>
+            <a:r>
+              <a:rPr lang="pt-BR" sz="1600" dirty="0">
+                <a:latin typeface="Arial" panose="020B0604020202020204" pitchFamily="34" charset="0"/>
+                <a:cs typeface="Arial" panose="020B0604020202020204" pitchFamily="34" charset="0"/>
+              </a:rPr>
+              <a:t>Outros funcionários têm costume de solicitar um atendimento sem efetuar o registro da solicitação;</a:t>
+            </a:r>
+          </a:p>
+          <a:p>
+            <a:pPr marL="285750" indent="-285750">
+              <a:lnSpc>
+                <a:spcPct val="150000"/>
+              </a:lnSpc>
+              <a:buFont typeface="Wingdings" panose="05000000000000000000" pitchFamily="2" charset="2"/>
+              <a:buChar char="§"/>
+            </a:pPr>
+            <a:r>
+              <a:rPr lang="pt-BR" sz="1600" dirty="0">
+                <a:latin typeface="Arial" panose="020B0604020202020204" pitchFamily="34" charset="0"/>
+                <a:cs typeface="Arial" panose="020B0604020202020204" pitchFamily="34" charset="0"/>
+              </a:rPr>
+              <a:t>Processo de atendimento definido.</a:t>
             </a:r>
           </a:p>
         </p:txBody>

--- a/Documentação/ProtoPersona.pptx
+++ b/Documentação/ProtoPersona.pptx
@@ -3842,8 +3842,19 @@
                 <a:latin typeface="Arial" panose="020B0604020202020204" pitchFamily="34" charset="0"/>
                 <a:cs typeface="Arial" panose="020B0604020202020204" pitchFamily="34" charset="0"/>
               </a:rPr>
-              <a:t>Possui uma boa habilidade analítica;</a:t>
-            </a:r>
+              <a:t>Possui uma boa </a:t>
+            </a:r>
+            <a:r>
+              <a:rPr lang="pt-BR" sz="1600">
+                <a:latin typeface="Arial" panose="020B0604020202020204" pitchFamily="34" charset="0"/>
+                <a:cs typeface="Arial" panose="020B0604020202020204" pitchFamily="34" charset="0"/>
+              </a:rPr>
+              <a:t>habilidade analítica.</a:t>
+            </a:r>
+            <a:endParaRPr lang="pt-BR" sz="1600" dirty="0">
+              <a:latin typeface="Arial" panose="020B0604020202020204" pitchFamily="34" charset="0"/>
+              <a:cs typeface="Arial" panose="020B0604020202020204" pitchFamily="34" charset="0"/>
+            </a:endParaRPr>
           </a:p>
           <a:p>
             <a:pPr marL="285750" indent="-285750">

--- a/Documentação/ProtoPersona.pptx
+++ b/Documentação/ProtoPersona.pptx
@@ -5,7 +5,8 @@
     <p:sldMasterId id="2147483648" r:id="rId1"/>
   </p:sldMasterIdLst>
   <p:sldIdLst>
-    <p:sldId id="256" r:id="rId2"/>
+    <p:sldId id="257" r:id="rId2"/>
+    <p:sldId id="256" r:id="rId3"/>
   </p:sldIdLst>
   <p:sldSz cx="12192000" cy="6858000"/>
   <p:notesSz cx="6858000" cy="9144000"/>
@@ -259,7 +260,7 @@
           <a:p>
             <a:fld id="{75EA822D-EC7F-445D-B4B2-1D8BFE09073C}" type="datetimeFigureOut">
               <a:rPr lang="pt-BR" smtClean="0"/>
-              <a:t>04/09/2020</a:t>
+              <a:t>10/09/2020</a:t>
             </a:fld>
             <a:endParaRPr lang="pt-BR"/>
           </a:p>
@@ -457,7 +458,7 @@
           <a:p>
             <a:fld id="{75EA822D-EC7F-445D-B4B2-1D8BFE09073C}" type="datetimeFigureOut">
               <a:rPr lang="pt-BR" smtClean="0"/>
-              <a:t>04/09/2020</a:t>
+              <a:t>10/09/2020</a:t>
             </a:fld>
             <a:endParaRPr lang="pt-BR"/>
           </a:p>
@@ -665,7 +666,7 @@
           <a:p>
             <a:fld id="{75EA822D-EC7F-445D-B4B2-1D8BFE09073C}" type="datetimeFigureOut">
               <a:rPr lang="pt-BR" smtClean="0"/>
-              <a:t>04/09/2020</a:t>
+              <a:t>10/09/2020</a:t>
             </a:fld>
             <a:endParaRPr lang="pt-BR"/>
           </a:p>
@@ -863,7 +864,7 @@
           <a:p>
             <a:fld id="{75EA822D-EC7F-445D-B4B2-1D8BFE09073C}" type="datetimeFigureOut">
               <a:rPr lang="pt-BR" smtClean="0"/>
-              <a:t>04/09/2020</a:t>
+              <a:t>10/09/2020</a:t>
             </a:fld>
             <a:endParaRPr lang="pt-BR"/>
           </a:p>
@@ -1138,7 +1139,7 @@
           <a:p>
             <a:fld id="{75EA822D-EC7F-445D-B4B2-1D8BFE09073C}" type="datetimeFigureOut">
               <a:rPr lang="pt-BR" smtClean="0"/>
-              <a:t>04/09/2020</a:t>
+              <a:t>10/09/2020</a:t>
             </a:fld>
             <a:endParaRPr lang="pt-BR"/>
           </a:p>
@@ -1403,7 +1404,7 @@
           <a:p>
             <a:fld id="{75EA822D-EC7F-445D-B4B2-1D8BFE09073C}" type="datetimeFigureOut">
               <a:rPr lang="pt-BR" smtClean="0"/>
-              <a:t>04/09/2020</a:t>
+              <a:t>10/09/2020</a:t>
             </a:fld>
             <a:endParaRPr lang="pt-BR"/>
           </a:p>
@@ -1815,7 +1816,7 @@
           <a:p>
             <a:fld id="{75EA822D-EC7F-445D-B4B2-1D8BFE09073C}" type="datetimeFigureOut">
               <a:rPr lang="pt-BR" smtClean="0"/>
-              <a:t>04/09/2020</a:t>
+              <a:t>10/09/2020</a:t>
             </a:fld>
             <a:endParaRPr lang="pt-BR"/>
           </a:p>
@@ -1956,7 +1957,7 @@
           <a:p>
             <a:fld id="{75EA822D-EC7F-445D-B4B2-1D8BFE09073C}" type="datetimeFigureOut">
               <a:rPr lang="pt-BR" smtClean="0"/>
-              <a:t>04/09/2020</a:t>
+              <a:t>10/09/2020</a:t>
             </a:fld>
             <a:endParaRPr lang="pt-BR"/>
           </a:p>
@@ -2069,7 +2070,7 @@
           <a:p>
             <a:fld id="{75EA822D-EC7F-445D-B4B2-1D8BFE09073C}" type="datetimeFigureOut">
               <a:rPr lang="pt-BR" smtClean="0"/>
-              <a:t>04/09/2020</a:t>
+              <a:t>10/09/2020</a:t>
             </a:fld>
             <a:endParaRPr lang="pt-BR"/>
           </a:p>
@@ -2380,7 +2381,7 @@
           <a:p>
             <a:fld id="{75EA822D-EC7F-445D-B4B2-1D8BFE09073C}" type="datetimeFigureOut">
               <a:rPr lang="pt-BR" smtClean="0"/>
-              <a:t>04/09/2020</a:t>
+              <a:t>10/09/2020</a:t>
             </a:fld>
             <a:endParaRPr lang="pt-BR"/>
           </a:p>
@@ -2668,7 +2669,7 @@
           <a:p>
             <a:fld id="{75EA822D-EC7F-445D-B4B2-1D8BFE09073C}" type="datetimeFigureOut">
               <a:rPr lang="pt-BR" smtClean="0"/>
-              <a:t>04/09/2020</a:t>
+              <a:t>10/09/2020</a:t>
             </a:fld>
             <a:endParaRPr lang="pt-BR"/>
           </a:p>
@@ -2909,7 +2910,7 @@
           <a:p>
             <a:fld id="{75EA822D-EC7F-445D-B4B2-1D8BFE09073C}" type="datetimeFigureOut">
               <a:rPr lang="pt-BR" smtClean="0"/>
-              <a:t>04/09/2020</a:t>
+              <a:t>10/09/2020</a:t>
             </a:fld>
             <a:endParaRPr lang="pt-BR"/>
           </a:p>
@@ -3700,48 +3701,6 @@
       </p:sp>
       <p:sp>
         <p:nvSpPr>
-          <p:cNvPr id="18" name="CaixaDeTexto 17">
-            <a:extLst>
-              <a:ext uri="{FF2B5EF4-FFF2-40B4-BE49-F238E27FC236}">
-                <a16:creationId xmlns:a16="http://schemas.microsoft.com/office/drawing/2014/main" id="{AB4BAB95-F912-4A98-934D-323A956A0748}"/>
-              </a:ext>
-            </a:extLst>
-          </p:cNvPr>
-          <p:cNvSpPr txBox="1"/>
-          <p:nvPr/>
-        </p:nvSpPr>
-        <p:spPr>
-          <a:xfrm>
-            <a:off x="3593514" y="1607160"/>
-            <a:ext cx="1100093" cy="338554"/>
-          </a:xfrm>
-          <a:prstGeom prst="rect">
-            <a:avLst/>
-          </a:prstGeom>
-          <a:noFill/>
-        </p:spPr>
-        <p:txBody>
-          <a:bodyPr wrap="square" rtlCol="0">
-            <a:spAutoFit/>
-          </a:bodyPr>
-          <a:lstStyle/>
-          <a:p>
-            <a:r>
-              <a:rPr lang="pt-BR" sz="1600" dirty="0">
-                <a:latin typeface="Arial" panose="020B0604020202020204" pitchFamily="34" charset="0"/>
-                <a:cs typeface="Arial" panose="020B0604020202020204" pitchFamily="34" charset="0"/>
-              </a:rPr>
-              <a:t>Paulo</a:t>
-            </a:r>
-            <a:endParaRPr lang="pt-BR" dirty="0">
-              <a:latin typeface="Arial" panose="020B0604020202020204" pitchFamily="34" charset="0"/>
-              <a:cs typeface="Arial" panose="020B0604020202020204" pitchFamily="34" charset="0"/>
-            </a:endParaRPr>
-          </a:p>
-        </p:txBody>
-      </p:sp>
-      <p:sp>
-        <p:nvSpPr>
           <p:cNvPr id="20" name="CaixaDeTexto 19">
             <a:extLst>
               <a:ext uri="{FF2B5EF4-FFF2-40B4-BE49-F238E27FC236}">
@@ -3842,19 +3801,8 @@
                 <a:latin typeface="Arial" panose="020B0604020202020204" pitchFamily="34" charset="0"/>
                 <a:cs typeface="Arial" panose="020B0604020202020204" pitchFamily="34" charset="0"/>
               </a:rPr>
-              <a:t>Possui uma boa </a:t>
-            </a:r>
-            <a:r>
-              <a:rPr lang="pt-BR" sz="1600">
-                <a:latin typeface="Arial" panose="020B0604020202020204" pitchFamily="34" charset="0"/>
-                <a:cs typeface="Arial" panose="020B0604020202020204" pitchFamily="34" charset="0"/>
-              </a:rPr>
-              <a:t>habilidade analítica.</a:t>
-            </a:r>
-            <a:endParaRPr lang="pt-BR" sz="1600" dirty="0">
-              <a:latin typeface="Arial" panose="020B0604020202020204" pitchFamily="34" charset="0"/>
-              <a:cs typeface="Arial" panose="020B0604020202020204" pitchFamily="34" charset="0"/>
-            </a:endParaRPr>
+              <a:t>Possui uma boa habilidade analítica.</a:t>
+            </a:r>
           </a:p>
           <a:p>
             <a:pPr marL="285750" indent="-285750">
@@ -3998,10 +3946,10 @@
       </p:sp>
       <p:pic>
         <p:nvPicPr>
-          <p:cNvPr id="2" name="Imagem 1">
-            <a:extLst>
-              <a:ext uri="{FF2B5EF4-FFF2-40B4-BE49-F238E27FC236}">
-                <a16:creationId xmlns:a16="http://schemas.microsoft.com/office/drawing/2014/main" id="{AEE7510E-CA10-4F64-BBBF-3E57F4BAB7C0}"/>
+          <p:cNvPr id="3" name="Imagem 2">
+            <a:extLst>
+              <a:ext uri="{FF2B5EF4-FFF2-40B4-BE49-F238E27FC236}">
+                <a16:creationId xmlns:a16="http://schemas.microsoft.com/office/drawing/2014/main" id="{AC957E13-366E-4CE5-860E-D9FBF7DA5BB2}"/>
               </a:ext>
             </a:extLst>
           </p:cNvPr>
@@ -4026,6 +3974,734 @@
           </a:prstGeom>
         </p:spPr>
       </p:pic>
+      <p:sp>
+        <p:nvSpPr>
+          <p:cNvPr id="5" name="CaixaDeTexto 4">
+            <a:extLst>
+              <a:ext uri="{FF2B5EF4-FFF2-40B4-BE49-F238E27FC236}">
+                <a16:creationId xmlns:a16="http://schemas.microsoft.com/office/drawing/2014/main" id="{CEE6E652-6030-464E-9581-2E8EE37129E3}"/>
+              </a:ext>
+            </a:extLst>
+          </p:cNvPr>
+          <p:cNvSpPr txBox="1"/>
+          <p:nvPr/>
+        </p:nvSpPr>
+        <p:spPr>
+          <a:xfrm>
+            <a:off x="3593514" y="1607160"/>
+            <a:ext cx="1100093" cy="338554"/>
+          </a:xfrm>
+          <a:prstGeom prst="rect">
+            <a:avLst/>
+          </a:prstGeom>
+          <a:noFill/>
+        </p:spPr>
+        <p:txBody>
+          <a:bodyPr wrap="square" rtlCol="0">
+            <a:spAutoFit/>
+          </a:bodyPr>
+          <a:lstStyle/>
+          <a:p>
+            <a:r>
+              <a:rPr lang="pt-BR" sz="1600" dirty="0">
+                <a:latin typeface="Arial" panose="020B0604020202020204" pitchFamily="34" charset="0"/>
+                <a:cs typeface="Arial" panose="020B0604020202020204" pitchFamily="34" charset="0"/>
+              </a:rPr>
+              <a:t>Paulo</a:t>
+            </a:r>
+            <a:endParaRPr lang="pt-BR" dirty="0">
+              <a:latin typeface="Arial" panose="020B0604020202020204" pitchFamily="34" charset="0"/>
+              <a:cs typeface="Arial" panose="020B0604020202020204" pitchFamily="34" charset="0"/>
+            </a:endParaRPr>
+          </a:p>
+        </p:txBody>
+      </p:sp>
+    </p:spTree>
+    <p:extLst>
+      <p:ext uri="{BB962C8B-B14F-4D97-AF65-F5344CB8AC3E}">
+        <p14:creationId xmlns:p14="http://schemas.microsoft.com/office/powerpoint/2010/main" val="3797555801"/>
+      </p:ext>
+    </p:extLst>
+  </p:cSld>
+  <p:clrMapOvr>
+    <a:masterClrMapping/>
+  </p:clrMapOvr>
+</p:sld>
+</file>
+
+<file path=ppt/slides/slide2.xml><?xml version="1.0" encoding="utf-8"?>
+<p:sld xmlns:a="http://schemas.openxmlformats.org/drawingml/2006/main" xmlns:r="http://schemas.openxmlformats.org/officeDocument/2006/relationships" xmlns:p="http://schemas.openxmlformats.org/presentationml/2006/main">
+  <p:cSld>
+    <p:spTree>
+      <p:nvGrpSpPr>
+        <p:cNvPr id="1" name=""/>
+        <p:cNvGrpSpPr/>
+        <p:nvPr/>
+      </p:nvGrpSpPr>
+      <p:grpSpPr>
+        <a:xfrm>
+          <a:off x="0" y="0"/>
+          <a:ext cx="0" cy="0"/>
+          <a:chOff x="0" y="0"/>
+          <a:chExt cx="0" cy="0"/>
+        </a:xfrm>
+      </p:grpSpPr>
+      <p:grpSp>
+        <p:nvGrpSpPr>
+          <p:cNvPr id="16" name="Agrupar 15">
+            <a:extLst>
+              <a:ext uri="{FF2B5EF4-FFF2-40B4-BE49-F238E27FC236}">
+                <a16:creationId xmlns:a16="http://schemas.microsoft.com/office/drawing/2014/main" id="{FED47260-B8F4-412C-9490-81084AD3D7B5}"/>
+              </a:ext>
+            </a:extLst>
+          </p:cNvPr>
+          <p:cNvGrpSpPr/>
+          <p:nvPr/>
+        </p:nvGrpSpPr>
+        <p:grpSpPr>
+          <a:xfrm>
+            <a:off x="482352" y="861134"/>
+            <a:ext cx="5144611" cy="2610035"/>
+            <a:chOff x="541537" y="446102"/>
+            <a:chExt cx="5144611" cy="2610035"/>
+          </a:xfrm>
+        </p:grpSpPr>
+        <p:sp>
+          <p:nvSpPr>
+            <p:cNvPr id="4" name="Retângulo 3">
+              <a:extLst>
+                <a:ext uri="{FF2B5EF4-FFF2-40B4-BE49-F238E27FC236}">
+                  <a16:creationId xmlns:a16="http://schemas.microsoft.com/office/drawing/2014/main" id="{A3D818F5-306D-4BB4-938F-7F59CA1D43A8}"/>
+                </a:ext>
+              </a:extLst>
+            </p:cNvPr>
+            <p:cNvSpPr/>
+            <p:nvPr/>
+          </p:nvSpPr>
+          <p:spPr>
+            <a:xfrm>
+              <a:off x="541537" y="446102"/>
+              <a:ext cx="5144611" cy="2610035"/>
+            </a:xfrm>
+            <a:prstGeom prst="rect">
+              <a:avLst/>
+            </a:prstGeom>
+            <a:noFill/>
+            <a:ln w="19050">
+              <a:solidFill>
+                <a:schemeClr val="tx1"/>
+              </a:solidFill>
+            </a:ln>
+          </p:spPr>
+          <p:style>
+            <a:lnRef idx="2">
+              <a:schemeClr val="accent1">
+                <a:shade val="50000"/>
+              </a:schemeClr>
+            </a:lnRef>
+            <a:fillRef idx="1">
+              <a:schemeClr val="accent1"/>
+            </a:fillRef>
+            <a:effectRef idx="0">
+              <a:schemeClr val="accent1"/>
+            </a:effectRef>
+            <a:fontRef idx="minor">
+              <a:schemeClr val="lt1"/>
+            </a:fontRef>
+          </p:style>
+          <p:txBody>
+            <a:bodyPr rtlCol="0" anchor="ctr"/>
+            <a:lstStyle/>
+            <a:p>
+              <a:pPr algn="ctr"/>
+              <a:endParaRPr lang="pt-BR"/>
+            </a:p>
+          </p:txBody>
+        </p:sp>
+        <p:sp>
+          <p:nvSpPr>
+            <p:cNvPr id="9" name="CaixaDeTexto 8">
+              <a:extLst>
+                <a:ext uri="{FF2B5EF4-FFF2-40B4-BE49-F238E27FC236}">
+                  <a16:creationId xmlns:a16="http://schemas.microsoft.com/office/drawing/2014/main" id="{5E948D4D-A415-4018-B094-541F1C4286D1}"/>
+                </a:ext>
+              </a:extLst>
+            </p:cNvPr>
+            <p:cNvSpPr txBox="1"/>
+            <p:nvPr/>
+          </p:nvSpPr>
+          <p:spPr>
+            <a:xfrm>
+              <a:off x="825625" y="477298"/>
+              <a:ext cx="958788" cy="369332"/>
+            </a:xfrm>
+            <a:prstGeom prst="rect">
+              <a:avLst/>
+            </a:prstGeom>
+            <a:noFill/>
+          </p:spPr>
+          <p:txBody>
+            <a:bodyPr wrap="square" rtlCol="0">
+              <a:spAutoFit/>
+            </a:bodyPr>
+            <a:lstStyle/>
+            <a:p>
+              <a:r>
+                <a:rPr lang="pt-BR" dirty="0">
+                  <a:latin typeface="Arial" panose="020B0604020202020204" pitchFamily="34" charset="0"/>
+                  <a:cs typeface="Arial" panose="020B0604020202020204" pitchFamily="34" charset="0"/>
+                </a:rPr>
+                <a:t>Quem?</a:t>
+              </a:r>
+            </a:p>
+          </p:txBody>
+        </p:sp>
+      </p:grpSp>
+      <p:grpSp>
+        <p:nvGrpSpPr>
+          <p:cNvPr id="15" name="Agrupar 14">
+            <a:extLst>
+              <a:ext uri="{FF2B5EF4-FFF2-40B4-BE49-F238E27FC236}">
+                <a16:creationId xmlns:a16="http://schemas.microsoft.com/office/drawing/2014/main" id="{AE55F7F5-8C36-4111-98D8-641E13659C02}"/>
+              </a:ext>
+            </a:extLst>
+          </p:cNvPr>
+          <p:cNvGrpSpPr/>
+          <p:nvPr/>
+        </p:nvGrpSpPr>
+        <p:grpSpPr>
+          <a:xfrm>
+            <a:off x="6285390" y="861136"/>
+            <a:ext cx="5144611" cy="2610033"/>
+            <a:chOff x="6369727" y="446104"/>
+            <a:chExt cx="5144611" cy="2610033"/>
+          </a:xfrm>
+        </p:grpSpPr>
+        <p:sp>
+          <p:nvSpPr>
+            <p:cNvPr id="6" name="Retângulo 5">
+              <a:extLst>
+                <a:ext uri="{FF2B5EF4-FFF2-40B4-BE49-F238E27FC236}">
+                  <a16:creationId xmlns:a16="http://schemas.microsoft.com/office/drawing/2014/main" id="{F7814368-9D56-4E49-845E-A77143904CCD}"/>
+                </a:ext>
+              </a:extLst>
+            </p:cNvPr>
+            <p:cNvSpPr/>
+            <p:nvPr/>
+          </p:nvSpPr>
+          <p:spPr>
+            <a:xfrm>
+              <a:off x="6369727" y="446104"/>
+              <a:ext cx="5144611" cy="2610033"/>
+            </a:xfrm>
+            <a:prstGeom prst="rect">
+              <a:avLst/>
+            </a:prstGeom>
+            <a:noFill/>
+            <a:ln w="19050">
+              <a:solidFill>
+                <a:schemeClr val="tx1"/>
+              </a:solidFill>
+            </a:ln>
+          </p:spPr>
+          <p:style>
+            <a:lnRef idx="2">
+              <a:schemeClr val="accent1">
+                <a:shade val="50000"/>
+              </a:schemeClr>
+            </a:lnRef>
+            <a:fillRef idx="1">
+              <a:schemeClr val="accent1"/>
+            </a:fillRef>
+            <a:effectRef idx="0">
+              <a:schemeClr val="accent1"/>
+            </a:effectRef>
+            <a:fontRef idx="minor">
+              <a:schemeClr val="lt1"/>
+            </a:fontRef>
+          </p:style>
+          <p:txBody>
+            <a:bodyPr rtlCol="0" anchor="ctr"/>
+            <a:lstStyle/>
+            <a:p>
+              <a:pPr algn="ctr"/>
+              <a:endParaRPr lang="pt-BR"/>
+            </a:p>
+          </p:txBody>
+        </p:sp>
+        <p:sp>
+          <p:nvSpPr>
+            <p:cNvPr id="11" name="CaixaDeTexto 10">
+              <a:extLst>
+                <a:ext uri="{FF2B5EF4-FFF2-40B4-BE49-F238E27FC236}">
+                  <a16:creationId xmlns:a16="http://schemas.microsoft.com/office/drawing/2014/main" id="{D2E4BF38-5BF3-4CB6-B004-39B4C4CA273A}"/>
+                </a:ext>
+              </a:extLst>
+            </p:cNvPr>
+            <p:cNvSpPr txBox="1"/>
+            <p:nvPr/>
+          </p:nvSpPr>
+          <p:spPr>
+            <a:xfrm>
+              <a:off x="6615344" y="516177"/>
+              <a:ext cx="3372035" cy="369332"/>
+            </a:xfrm>
+            <a:prstGeom prst="rect">
+              <a:avLst/>
+            </a:prstGeom>
+            <a:noFill/>
+          </p:spPr>
+          <p:txBody>
+            <a:bodyPr wrap="square" rtlCol="0">
+              <a:spAutoFit/>
+            </a:bodyPr>
+            <a:lstStyle/>
+            <a:p>
+              <a:r>
+                <a:rPr lang="pt-BR" dirty="0">
+                  <a:latin typeface="Arial" panose="020B0604020202020204" pitchFamily="34" charset="0"/>
+                  <a:cs typeface="Arial" panose="020B0604020202020204" pitchFamily="34" charset="0"/>
+                </a:rPr>
+                <a:t>Informações/Comportamento</a:t>
+              </a:r>
+            </a:p>
+          </p:txBody>
+        </p:sp>
+      </p:grpSp>
+      <p:grpSp>
+        <p:nvGrpSpPr>
+          <p:cNvPr id="14" name="Agrupar 13">
+            <a:extLst>
+              <a:ext uri="{FF2B5EF4-FFF2-40B4-BE49-F238E27FC236}">
+                <a16:creationId xmlns:a16="http://schemas.microsoft.com/office/drawing/2014/main" id="{D516A33A-7F4F-4227-BBF8-6AD615B6DA5D}"/>
+              </a:ext>
+            </a:extLst>
+          </p:cNvPr>
+          <p:cNvGrpSpPr/>
+          <p:nvPr/>
+        </p:nvGrpSpPr>
+        <p:grpSpPr>
+          <a:xfrm>
+            <a:off x="482352" y="3723928"/>
+            <a:ext cx="10972801" cy="2989555"/>
+            <a:chOff x="482352" y="3723928"/>
+            <a:chExt cx="10972801" cy="2989555"/>
+          </a:xfrm>
+        </p:grpSpPr>
+        <p:sp>
+          <p:nvSpPr>
+            <p:cNvPr id="8" name="Retângulo 7">
+              <a:extLst>
+                <a:ext uri="{FF2B5EF4-FFF2-40B4-BE49-F238E27FC236}">
+                  <a16:creationId xmlns:a16="http://schemas.microsoft.com/office/drawing/2014/main" id="{83C88CF3-2AD9-489F-A690-25DD87C8DB2C}"/>
+                </a:ext>
+              </a:extLst>
+            </p:cNvPr>
+            <p:cNvSpPr/>
+            <p:nvPr/>
+          </p:nvSpPr>
+          <p:spPr>
+            <a:xfrm>
+              <a:off x="482352" y="3723928"/>
+              <a:ext cx="10972801" cy="2989555"/>
+            </a:xfrm>
+            <a:prstGeom prst="rect">
+              <a:avLst/>
+            </a:prstGeom>
+            <a:noFill/>
+            <a:ln w="19050">
+              <a:solidFill>
+                <a:schemeClr val="tx1"/>
+              </a:solidFill>
+            </a:ln>
+          </p:spPr>
+          <p:style>
+            <a:lnRef idx="2">
+              <a:schemeClr val="accent1">
+                <a:shade val="50000"/>
+              </a:schemeClr>
+            </a:lnRef>
+            <a:fillRef idx="1">
+              <a:schemeClr val="accent1"/>
+            </a:fillRef>
+            <a:effectRef idx="0">
+              <a:schemeClr val="accent1"/>
+            </a:effectRef>
+            <a:fontRef idx="minor">
+              <a:schemeClr val="lt1"/>
+            </a:fontRef>
+          </p:style>
+          <p:txBody>
+            <a:bodyPr rtlCol="0" anchor="ctr"/>
+            <a:lstStyle/>
+            <a:p>
+              <a:pPr algn="ctr"/>
+              <a:endParaRPr lang="pt-BR"/>
+            </a:p>
+          </p:txBody>
+        </p:sp>
+        <p:sp>
+          <p:nvSpPr>
+            <p:cNvPr id="13" name="CaixaDeTexto 12">
+              <a:extLst>
+                <a:ext uri="{FF2B5EF4-FFF2-40B4-BE49-F238E27FC236}">
+                  <a16:creationId xmlns:a16="http://schemas.microsoft.com/office/drawing/2014/main" id="{70AFE217-289E-42BC-B79D-4F936233942E}"/>
+                </a:ext>
+              </a:extLst>
+            </p:cNvPr>
+            <p:cNvSpPr txBox="1"/>
+            <p:nvPr/>
+          </p:nvSpPr>
+          <p:spPr>
+            <a:xfrm>
+              <a:off x="621437" y="3850307"/>
+              <a:ext cx="2636667" cy="369332"/>
+            </a:xfrm>
+            <a:prstGeom prst="rect">
+              <a:avLst/>
+            </a:prstGeom>
+            <a:noFill/>
+          </p:spPr>
+          <p:txBody>
+            <a:bodyPr wrap="square" rtlCol="0">
+              <a:spAutoFit/>
+            </a:bodyPr>
+            <a:lstStyle/>
+            <a:p>
+              <a:r>
+                <a:rPr lang="pt-BR" dirty="0">
+                  <a:latin typeface="Arial" panose="020B0604020202020204" pitchFamily="34" charset="0"/>
+                  <a:cs typeface="Arial" panose="020B0604020202020204" pitchFamily="34" charset="0"/>
+                </a:rPr>
+                <a:t>Dores e Necessidades</a:t>
+              </a:r>
+            </a:p>
+          </p:txBody>
+        </p:sp>
+      </p:grpSp>
+      <p:sp>
+        <p:nvSpPr>
+          <p:cNvPr id="17" name="CaixaDeTexto 16">
+            <a:extLst>
+              <a:ext uri="{FF2B5EF4-FFF2-40B4-BE49-F238E27FC236}">
+                <a16:creationId xmlns:a16="http://schemas.microsoft.com/office/drawing/2014/main" id="{3DE28095-DBCA-45B3-A1E5-EDF813B90086}"/>
+              </a:ext>
+            </a:extLst>
+          </p:cNvPr>
+          <p:cNvSpPr txBox="1"/>
+          <p:nvPr/>
+        </p:nvSpPr>
+        <p:spPr>
+          <a:xfrm>
+            <a:off x="1056443" y="239697"/>
+            <a:ext cx="10209320" cy="461665"/>
+          </a:xfrm>
+          <a:prstGeom prst="rect">
+            <a:avLst/>
+          </a:prstGeom>
+          <a:noFill/>
+        </p:spPr>
+        <p:txBody>
+          <a:bodyPr wrap="square" rtlCol="0">
+            <a:spAutoFit/>
+          </a:bodyPr>
+          <a:lstStyle/>
+          <a:p>
+            <a:pPr algn="ctr"/>
+            <a:r>
+              <a:rPr lang="pt-BR" sz="2400" dirty="0">
+                <a:latin typeface="Arial" panose="020B0604020202020204" pitchFamily="34" charset="0"/>
+                <a:cs typeface="Arial" panose="020B0604020202020204" pitchFamily="34" charset="0"/>
+              </a:rPr>
+              <a:t>Usuário frequente da solução de monitoramento de máquinas</a:t>
+            </a:r>
+          </a:p>
+        </p:txBody>
+      </p:sp>
+      <p:sp>
+        <p:nvSpPr>
+          <p:cNvPr id="20" name="CaixaDeTexto 19">
+            <a:extLst>
+              <a:ext uri="{FF2B5EF4-FFF2-40B4-BE49-F238E27FC236}">
+                <a16:creationId xmlns:a16="http://schemas.microsoft.com/office/drawing/2014/main" id="{47E84B5F-9BB6-4C04-AA9D-7D4354079E19}"/>
+              </a:ext>
+            </a:extLst>
+          </p:cNvPr>
+          <p:cNvSpPr txBox="1"/>
+          <p:nvPr/>
+        </p:nvSpPr>
+        <p:spPr>
+          <a:xfrm>
+            <a:off x="6664538" y="1460311"/>
+            <a:ext cx="4554986" cy="1524007"/>
+          </a:xfrm>
+          <a:prstGeom prst="rect">
+            <a:avLst/>
+          </a:prstGeom>
+          <a:noFill/>
+        </p:spPr>
+        <p:txBody>
+          <a:bodyPr wrap="square" rtlCol="0">
+            <a:spAutoFit/>
+          </a:bodyPr>
+          <a:lstStyle/>
+          <a:p>
+            <a:pPr marL="285750" indent="-285750">
+              <a:lnSpc>
+                <a:spcPct val="150000"/>
+              </a:lnSpc>
+              <a:buFont typeface="Wingdings" panose="05000000000000000000" pitchFamily="2" charset="2"/>
+              <a:buChar char="§"/>
+            </a:pPr>
+            <a:r>
+              <a:rPr lang="pt-BR" sz="1600" dirty="0">
+                <a:latin typeface="Arial" panose="020B0604020202020204" pitchFamily="34" charset="0"/>
+                <a:cs typeface="Arial" panose="020B0604020202020204" pitchFamily="34" charset="0"/>
+              </a:rPr>
+              <a:t>Trabalha como gestor;</a:t>
+            </a:r>
+          </a:p>
+          <a:p>
+            <a:pPr marL="285750" indent="-285750">
+              <a:lnSpc>
+                <a:spcPct val="150000"/>
+              </a:lnSpc>
+              <a:buFont typeface="Wingdings" panose="05000000000000000000" pitchFamily="2" charset="2"/>
+              <a:buChar char="§"/>
+            </a:pPr>
+            <a:r>
+              <a:rPr lang="pt-BR" sz="1600" dirty="0">
+                <a:latin typeface="Arial" panose="020B0604020202020204" pitchFamily="34" charset="0"/>
+                <a:cs typeface="Arial" panose="020B0604020202020204" pitchFamily="34" charset="0"/>
+              </a:rPr>
+              <a:t>Trabalha no segmento de </a:t>
+            </a:r>
+            <a:r>
+              <a:rPr lang="pt-BR" sz="1600" dirty="0" err="1">
+                <a:latin typeface="Arial" panose="020B0604020202020204" pitchFamily="34" charset="0"/>
+                <a:cs typeface="Arial" panose="020B0604020202020204" pitchFamily="34" charset="0"/>
+              </a:rPr>
+              <a:t>call</a:t>
+            </a:r>
+            <a:r>
+              <a:rPr lang="pt-BR" sz="1600" dirty="0">
+                <a:latin typeface="Arial" panose="020B0604020202020204" pitchFamily="34" charset="0"/>
+                <a:cs typeface="Arial" panose="020B0604020202020204" pitchFamily="34" charset="0"/>
+              </a:rPr>
+              <a:t> center;</a:t>
+            </a:r>
+          </a:p>
+          <a:p>
+            <a:pPr marL="285750" indent="-285750">
+              <a:lnSpc>
+                <a:spcPct val="150000"/>
+              </a:lnSpc>
+              <a:buFont typeface="Wingdings" panose="05000000000000000000" pitchFamily="2" charset="2"/>
+              <a:buChar char="§"/>
+            </a:pPr>
+            <a:r>
+              <a:rPr lang="pt-BR" sz="1600" dirty="0">
+                <a:latin typeface="Arial" panose="020B0604020202020204" pitchFamily="34" charset="0"/>
+                <a:cs typeface="Arial" panose="020B0604020202020204" pitchFamily="34" charset="0"/>
+              </a:rPr>
+              <a:t>Possui uma boa habilidade analítica.</a:t>
+            </a:r>
+          </a:p>
+          <a:p>
+            <a:pPr marL="285750" indent="-285750">
+              <a:lnSpc>
+                <a:spcPct val="150000"/>
+              </a:lnSpc>
+              <a:buFont typeface="Wingdings" panose="05000000000000000000" pitchFamily="2" charset="2"/>
+              <a:buChar char="§"/>
+            </a:pPr>
+            <a:endParaRPr lang="pt-BR" sz="1600" dirty="0">
+              <a:latin typeface="Arial" panose="020B0604020202020204" pitchFamily="34" charset="0"/>
+              <a:cs typeface="Arial" panose="020B0604020202020204" pitchFamily="34" charset="0"/>
+            </a:endParaRPr>
+          </a:p>
+        </p:txBody>
+      </p:sp>
+      <p:sp>
+        <p:nvSpPr>
+          <p:cNvPr id="22" name="CaixaDeTexto 21">
+            <a:extLst>
+              <a:ext uri="{FF2B5EF4-FFF2-40B4-BE49-F238E27FC236}">
+                <a16:creationId xmlns:a16="http://schemas.microsoft.com/office/drawing/2014/main" id="{BF58B582-D008-49F4-85A9-F1D0EBF1BCBF}"/>
+              </a:ext>
+            </a:extLst>
+          </p:cNvPr>
+          <p:cNvSpPr txBox="1"/>
+          <p:nvPr/>
+        </p:nvSpPr>
+        <p:spPr>
+          <a:xfrm>
+            <a:off x="1056443" y="4346019"/>
+            <a:ext cx="10373558" cy="1524007"/>
+          </a:xfrm>
+          <a:prstGeom prst="rect">
+            <a:avLst/>
+          </a:prstGeom>
+          <a:noFill/>
+        </p:spPr>
+        <p:txBody>
+          <a:bodyPr wrap="square" rtlCol="0">
+            <a:spAutoFit/>
+          </a:bodyPr>
+          <a:lstStyle/>
+          <a:p>
+            <a:pPr marL="285750" indent="-285750">
+              <a:lnSpc>
+                <a:spcPct val="150000"/>
+              </a:lnSpc>
+              <a:buFont typeface="Wingdings" panose="05000000000000000000" pitchFamily="2" charset="2"/>
+              <a:buChar char="§"/>
+            </a:pPr>
+            <a:r>
+              <a:rPr lang="pt-BR" sz="1600" dirty="0">
+                <a:latin typeface="Arial" panose="020B0604020202020204" pitchFamily="34" charset="0"/>
+                <a:cs typeface="Arial" panose="020B0604020202020204" pitchFamily="34" charset="0"/>
+              </a:rPr>
+              <a:t>Verificar a produtividade dos operadores;</a:t>
+            </a:r>
+          </a:p>
+          <a:p>
+            <a:pPr marL="285750" indent="-285750">
+              <a:lnSpc>
+                <a:spcPct val="150000"/>
+              </a:lnSpc>
+              <a:buFont typeface="Wingdings" panose="05000000000000000000" pitchFamily="2" charset="2"/>
+              <a:buChar char="§"/>
+            </a:pPr>
+            <a:r>
+              <a:rPr lang="pt-BR" sz="1600" dirty="0">
+                <a:latin typeface="Arial" panose="020B0604020202020204" pitchFamily="34" charset="0"/>
+                <a:cs typeface="Arial" panose="020B0604020202020204" pitchFamily="34" charset="0"/>
+              </a:rPr>
+              <a:t>Responsável por tomar as decisões;</a:t>
+            </a:r>
+          </a:p>
+          <a:p>
+            <a:pPr marL="285750" indent="-285750">
+              <a:lnSpc>
+                <a:spcPct val="150000"/>
+              </a:lnSpc>
+              <a:buFont typeface="Wingdings" panose="05000000000000000000" pitchFamily="2" charset="2"/>
+              <a:buChar char="§"/>
+            </a:pPr>
+            <a:r>
+              <a:rPr lang="pt-BR" sz="1600" dirty="0">
+                <a:latin typeface="Arial" panose="020B0604020202020204" pitchFamily="34" charset="0"/>
+                <a:cs typeface="Arial" panose="020B0604020202020204" pitchFamily="34" charset="0"/>
+              </a:rPr>
+              <a:t>Analisar relatórios que auxiliem em tomadas de decisões;</a:t>
+            </a:r>
+          </a:p>
+          <a:p>
+            <a:pPr marL="285750" indent="-285750">
+              <a:lnSpc>
+                <a:spcPct val="150000"/>
+              </a:lnSpc>
+              <a:buFont typeface="Wingdings" panose="05000000000000000000" pitchFamily="2" charset="2"/>
+              <a:buChar char="§"/>
+            </a:pPr>
+            <a:r>
+              <a:rPr lang="pt-BR" sz="1600" dirty="0">
+                <a:latin typeface="Arial" panose="020B0604020202020204" pitchFamily="34" charset="0"/>
+                <a:cs typeface="Arial" panose="020B0604020202020204" pitchFamily="34" charset="0"/>
+              </a:rPr>
+              <a:t>Liderar uma equipe;</a:t>
+            </a:r>
+          </a:p>
+        </p:txBody>
+      </p:sp>
+      <p:pic>
+        <p:nvPicPr>
+          <p:cNvPr id="3" name="Picture 2" descr="Pós Estácio - O que é um gestor?">
+            <a:extLst>
+              <a:ext uri="{FF2B5EF4-FFF2-40B4-BE49-F238E27FC236}">
+                <a16:creationId xmlns:a16="http://schemas.microsoft.com/office/drawing/2014/main" id="{BDFCEBB2-97A1-4F8E-9C8B-708D5F6809D2}"/>
+              </a:ext>
+            </a:extLst>
+          </p:cNvPr>
+          <p:cNvPicPr>
+            <a:picLocks noChangeAspect="1" noChangeArrowheads="1"/>
+          </p:cNvPicPr>
+          <p:nvPr/>
+        </p:nvPicPr>
+        <p:blipFill rotWithShape="1">
+          <a:blip r:embed="rId2">
+            <a:extLst>
+              <a:ext uri="{28A0092B-C50C-407E-A947-70E740481C1C}">
+                <a14:useLocalDpi xmlns:a14="http://schemas.microsoft.com/office/drawing/2010/main" val="0"/>
+              </a:ext>
+            </a:extLst>
+          </a:blip>
+          <a:srcRect r="55412"/>
+          <a:stretch/>
+        </p:blipFill>
+        <p:spPr bwMode="auto">
+          <a:xfrm>
+            <a:off x="707347" y="1497392"/>
+            <a:ext cx="2035761" cy="1819176"/>
+          </a:xfrm>
+          <a:prstGeom prst="rect">
+            <a:avLst/>
+          </a:prstGeom>
+          <a:noFill/>
+          <a:extLst>
+            <a:ext uri="{909E8E84-426E-40DD-AFC4-6F175D3DCCD1}">
+              <a14:hiddenFill xmlns:a14="http://schemas.microsoft.com/office/drawing/2010/main">
+                <a:solidFill>
+                  <a:srgbClr val="FFFFFF"/>
+                </a:solidFill>
+              </a14:hiddenFill>
+            </a:ext>
+          </a:extLst>
+        </p:spPr>
+      </p:pic>
+      <p:sp>
+        <p:nvSpPr>
+          <p:cNvPr id="5" name="CaixaDeTexto 4">
+            <a:extLst>
+              <a:ext uri="{FF2B5EF4-FFF2-40B4-BE49-F238E27FC236}">
+                <a16:creationId xmlns:a16="http://schemas.microsoft.com/office/drawing/2014/main" id="{B22DE9F8-8D27-4384-9976-6FDCB460155B}"/>
+              </a:ext>
+            </a:extLst>
+          </p:cNvPr>
+          <p:cNvSpPr txBox="1"/>
+          <p:nvPr/>
+        </p:nvSpPr>
+        <p:spPr>
+          <a:xfrm>
+            <a:off x="3488462" y="1497392"/>
+            <a:ext cx="1100093" cy="338554"/>
+          </a:xfrm>
+          <a:prstGeom prst="rect">
+            <a:avLst/>
+          </a:prstGeom>
+          <a:noFill/>
+        </p:spPr>
+        <p:txBody>
+          <a:bodyPr wrap="square" rtlCol="0">
+            <a:spAutoFit/>
+          </a:bodyPr>
+          <a:lstStyle/>
+          <a:p>
+            <a:r>
+              <a:rPr lang="pt-BR" sz="1600" dirty="0">
+                <a:latin typeface="Arial" panose="020B0604020202020204" pitchFamily="34" charset="0"/>
+                <a:cs typeface="Arial" panose="020B0604020202020204" pitchFamily="34" charset="0"/>
+              </a:rPr>
+              <a:t>Cláudio</a:t>
+            </a:r>
+            <a:endParaRPr lang="pt-BR" dirty="0">
+              <a:latin typeface="Arial" panose="020B0604020202020204" pitchFamily="34" charset="0"/>
+              <a:cs typeface="Arial" panose="020B0604020202020204" pitchFamily="34" charset="0"/>
+            </a:endParaRPr>
+          </a:p>
+        </p:txBody>
+      </p:sp>
     </p:spTree>
     <p:extLst>
       <p:ext uri="{BB962C8B-B14F-4D97-AF65-F5344CB8AC3E}">

--- a/Documentação/ProtoPersona.pptx
+++ b/Documentação/ProtoPersona.pptx
@@ -260,7 +260,7 @@
           <a:p>
             <a:fld id="{75EA822D-EC7F-445D-B4B2-1D8BFE09073C}" type="datetimeFigureOut">
               <a:rPr lang="pt-BR" smtClean="0"/>
-              <a:t>10/09/2020</a:t>
+              <a:t>11/09/2020</a:t>
             </a:fld>
             <a:endParaRPr lang="pt-BR"/>
           </a:p>
@@ -458,7 +458,7 @@
           <a:p>
             <a:fld id="{75EA822D-EC7F-445D-B4B2-1D8BFE09073C}" type="datetimeFigureOut">
               <a:rPr lang="pt-BR" smtClean="0"/>
-              <a:t>10/09/2020</a:t>
+              <a:t>11/09/2020</a:t>
             </a:fld>
             <a:endParaRPr lang="pt-BR"/>
           </a:p>
@@ -666,7 +666,7 @@
           <a:p>
             <a:fld id="{75EA822D-EC7F-445D-B4B2-1D8BFE09073C}" type="datetimeFigureOut">
               <a:rPr lang="pt-BR" smtClean="0"/>
-              <a:t>10/09/2020</a:t>
+              <a:t>11/09/2020</a:t>
             </a:fld>
             <a:endParaRPr lang="pt-BR"/>
           </a:p>
@@ -864,7 +864,7 @@
           <a:p>
             <a:fld id="{75EA822D-EC7F-445D-B4B2-1D8BFE09073C}" type="datetimeFigureOut">
               <a:rPr lang="pt-BR" smtClean="0"/>
-              <a:t>10/09/2020</a:t>
+              <a:t>11/09/2020</a:t>
             </a:fld>
             <a:endParaRPr lang="pt-BR"/>
           </a:p>
@@ -1139,7 +1139,7 @@
           <a:p>
             <a:fld id="{75EA822D-EC7F-445D-B4B2-1D8BFE09073C}" type="datetimeFigureOut">
               <a:rPr lang="pt-BR" smtClean="0"/>
-              <a:t>10/09/2020</a:t>
+              <a:t>11/09/2020</a:t>
             </a:fld>
             <a:endParaRPr lang="pt-BR"/>
           </a:p>
@@ -1404,7 +1404,7 @@
           <a:p>
             <a:fld id="{75EA822D-EC7F-445D-B4B2-1D8BFE09073C}" type="datetimeFigureOut">
               <a:rPr lang="pt-BR" smtClean="0"/>
-              <a:t>10/09/2020</a:t>
+              <a:t>11/09/2020</a:t>
             </a:fld>
             <a:endParaRPr lang="pt-BR"/>
           </a:p>
@@ -1816,7 +1816,7 @@
           <a:p>
             <a:fld id="{75EA822D-EC7F-445D-B4B2-1D8BFE09073C}" type="datetimeFigureOut">
               <a:rPr lang="pt-BR" smtClean="0"/>
-              <a:t>10/09/2020</a:t>
+              <a:t>11/09/2020</a:t>
             </a:fld>
             <a:endParaRPr lang="pt-BR"/>
           </a:p>
@@ -1957,7 +1957,7 @@
           <a:p>
             <a:fld id="{75EA822D-EC7F-445D-B4B2-1D8BFE09073C}" type="datetimeFigureOut">
               <a:rPr lang="pt-BR" smtClean="0"/>
-              <a:t>10/09/2020</a:t>
+              <a:t>11/09/2020</a:t>
             </a:fld>
             <a:endParaRPr lang="pt-BR"/>
           </a:p>
@@ -2070,7 +2070,7 @@
           <a:p>
             <a:fld id="{75EA822D-EC7F-445D-B4B2-1D8BFE09073C}" type="datetimeFigureOut">
               <a:rPr lang="pt-BR" smtClean="0"/>
-              <a:t>10/09/2020</a:t>
+              <a:t>11/09/2020</a:t>
             </a:fld>
             <a:endParaRPr lang="pt-BR"/>
           </a:p>
@@ -2381,7 +2381,7 @@
           <a:p>
             <a:fld id="{75EA822D-EC7F-445D-B4B2-1D8BFE09073C}" type="datetimeFigureOut">
               <a:rPr lang="pt-BR" smtClean="0"/>
-              <a:t>10/09/2020</a:t>
+              <a:t>11/09/2020</a:t>
             </a:fld>
             <a:endParaRPr lang="pt-BR"/>
           </a:p>
@@ -2669,7 +2669,7 @@
           <a:p>
             <a:fld id="{75EA822D-EC7F-445D-B4B2-1D8BFE09073C}" type="datetimeFigureOut">
               <a:rPr lang="pt-BR" smtClean="0"/>
-              <a:t>10/09/2020</a:t>
+              <a:t>11/09/2020</a:t>
             </a:fld>
             <a:endParaRPr lang="pt-BR"/>
           </a:p>
@@ -2910,7 +2910,7 @@
           <a:p>
             <a:fld id="{75EA822D-EC7F-445D-B4B2-1D8BFE09073C}" type="datetimeFigureOut">
               <a:rPr lang="pt-BR" smtClean="0"/>
-              <a:t>10/09/2020</a:t>
+              <a:t>11/09/2020</a:t>
             </a:fld>
             <a:endParaRPr lang="pt-BR"/>
           </a:p>
@@ -4610,7 +4610,7 @@
                 <a:latin typeface="Arial" panose="020B0604020202020204" pitchFamily="34" charset="0"/>
                 <a:cs typeface="Arial" panose="020B0604020202020204" pitchFamily="34" charset="0"/>
               </a:rPr>
-              <a:t>Liderar uma equipe;</a:t>
+              <a:t>Liderar uma equipe.</a:t>
             </a:r>
           </a:p>
         </p:txBody>
